--- a/ch04-BaiduMap/百度地图PPT/4.2-基础地图.pptx
+++ b/ch04-BaiduMap/百度地图PPT/4.2-基础地图.pptx
@@ -276,7 +276,7 @@
           <a:p>
             <a:fld id="{89583D78-C483-43F8-96E3-8B24687A3845}" type="datetime1">
               <a:rPr lang="zh-CN" altLang="en-US" smtClean="0"/>
-              <a:t>2018/2/8</a:t>
+              <a:t>2018/3/9</a:t>
             </a:fld>
             <a:endParaRPr lang="zh-CN" altLang="en-US"/>
           </a:p>
@@ -499,7 +499,7 @@
           <a:p>
             <a:fld id="{25BB3D98-82C9-4471-8C57-2B80C06EFB33}" type="datetime1">
               <a:rPr lang="zh-CN" altLang="en-US" smtClean="0"/>
-              <a:t>2018/2/8</a:t>
+              <a:t>2018/3/9</a:t>
             </a:fld>
             <a:endParaRPr lang="zh-CN" altLang="en-US" sz="1200"/>
           </a:p>
@@ -1083,7 +1083,7 @@
           <a:p>
             <a:fld id="{25BB3D98-82C9-4471-8C57-2B80C06EFB33}" type="datetime1">
               <a:rPr lang="zh-CN" altLang="en-US" smtClean="0"/>
-              <a:t>2018/2/8</a:t>
+              <a:t>2018/3/9</a:t>
             </a:fld>
             <a:endParaRPr lang="zh-CN" altLang="en-US" sz="1200"/>
           </a:p>
@@ -1199,7 +1199,7 @@
           <a:p>
             <a:fld id="{BBA8A371-3FA7-4BF4-A866-A09E3D885029}" type="datetime1">
               <a:rPr lang="zh-CN" altLang="en-US" smtClean="0"/>
-              <a:t>2018/2/8</a:t>
+              <a:t>2018/3/9</a:t>
             </a:fld>
             <a:endParaRPr lang="zh-CN" altLang="en-US" sz="1200"/>
           </a:p>
@@ -1315,7 +1315,7 @@
           <a:p>
             <a:fld id="{BBA8A371-3FA7-4BF4-A866-A09E3D885029}" type="datetime1">
               <a:rPr lang="zh-CN" altLang="en-US" smtClean="0"/>
-              <a:t>2018/2/8</a:t>
+              <a:t>2018/3/9</a:t>
             </a:fld>
             <a:endParaRPr lang="zh-CN" altLang="en-US" sz="1200"/>
           </a:p>
@@ -1431,7 +1431,7 @@
           <a:p>
             <a:fld id="{25BB3D98-82C9-4471-8C57-2B80C06EFB33}" type="datetime1">
               <a:rPr lang="zh-CN" altLang="en-US" smtClean="0"/>
-              <a:t>2018/2/8</a:t>
+              <a:t>2018/3/9</a:t>
             </a:fld>
             <a:endParaRPr lang="zh-CN" altLang="en-US" sz="1200"/>
           </a:p>
@@ -1547,7 +1547,7 @@
           <a:p>
             <a:fld id="{BBA8A371-3FA7-4BF4-A866-A09E3D885029}" type="datetime1">
               <a:rPr lang="zh-CN" altLang="en-US" smtClean="0"/>
-              <a:t>2018/2/8</a:t>
+              <a:t>2018/3/9</a:t>
             </a:fld>
             <a:endParaRPr lang="zh-CN" altLang="en-US" sz="1200"/>
           </a:p>
@@ -1663,7 +1663,7 @@
           <a:p>
             <a:fld id="{25BB3D98-82C9-4471-8C57-2B80C06EFB33}" type="datetime1">
               <a:rPr lang="zh-CN" altLang="en-US" smtClean="0"/>
-              <a:t>2018/2/8</a:t>
+              <a:t>2018/3/9</a:t>
             </a:fld>
             <a:endParaRPr lang="zh-CN" altLang="en-US" sz="1200"/>
           </a:p>
@@ -1779,7 +1779,7 @@
           <a:p>
             <a:fld id="{25BB3D98-82C9-4471-8C57-2B80C06EFB33}" type="datetime1">
               <a:rPr lang="zh-CN" altLang="en-US" smtClean="0"/>
-              <a:t>2018/2/8</a:t>
+              <a:t>2018/3/9</a:t>
             </a:fld>
             <a:endParaRPr lang="zh-CN" altLang="en-US" sz="1200"/>
           </a:p>
@@ -1895,7 +1895,7 @@
           <a:p>
             <a:fld id="{BBA8A371-3FA7-4BF4-A866-A09E3D885029}" type="datetime1">
               <a:rPr lang="zh-CN" altLang="en-US" smtClean="0"/>
-              <a:t>2018/2/8</a:t>
+              <a:t>2018/3/9</a:t>
             </a:fld>
             <a:endParaRPr lang="zh-CN" altLang="en-US" sz="1200"/>
           </a:p>
@@ -2011,7 +2011,7 @@
           <a:p>
             <a:fld id="{25BB3D98-82C9-4471-8C57-2B80C06EFB33}" type="datetime1">
               <a:rPr lang="zh-CN" altLang="en-US" smtClean="0"/>
-              <a:t>2018/2/8</a:t>
+              <a:t>2018/3/9</a:t>
             </a:fld>
             <a:endParaRPr lang="zh-CN" altLang="en-US" sz="1200"/>
           </a:p>
@@ -2127,7 +2127,7 @@
           <a:p>
             <a:fld id="{BBA8A371-3FA7-4BF4-A866-A09E3D885029}" type="datetime1">
               <a:rPr lang="zh-CN" altLang="en-US" smtClean="0"/>
-              <a:t>2018/2/8</a:t>
+              <a:t>2018/3/9</a:t>
             </a:fld>
             <a:endParaRPr lang="zh-CN" altLang="en-US" sz="1200"/>
           </a:p>
@@ -2243,7 +2243,7 @@
           <a:p>
             <a:fld id="{BBA8A371-3FA7-4BF4-A866-A09E3D885029}" type="datetime1">
               <a:rPr lang="zh-CN" altLang="en-US" smtClean="0"/>
-              <a:t>2018/2/8</a:t>
+              <a:t>2018/3/9</a:t>
             </a:fld>
             <a:endParaRPr lang="zh-CN" altLang="en-US" sz="1200"/>
           </a:p>
@@ -2359,7 +2359,7 @@
           <a:p>
             <a:fld id="{25BB3D98-82C9-4471-8C57-2B80C06EFB33}" type="datetime1">
               <a:rPr lang="zh-CN" altLang="en-US" smtClean="0"/>
-              <a:t>2018/2/8</a:t>
+              <a:t>2018/3/9</a:t>
             </a:fld>
             <a:endParaRPr lang="zh-CN" altLang="en-US" sz="1200"/>
           </a:p>
@@ -2559,7 +2559,7 @@
           <a:p>
             <a:fld id="{25BB3D98-82C9-4471-8C57-2B80C06EFB33}" type="datetime1">
               <a:rPr lang="zh-CN" altLang="en-US" smtClean="0"/>
-              <a:t>2018/2/8</a:t>
+              <a:t>2018/3/9</a:t>
             </a:fld>
             <a:endParaRPr lang="zh-CN" altLang="en-US" sz="1200"/>
           </a:p>
@@ -2675,7 +2675,7 @@
           <a:p>
             <a:fld id="{25BB3D98-82C9-4471-8C57-2B80C06EFB33}" type="datetime1">
               <a:rPr lang="zh-CN" altLang="en-US" smtClean="0"/>
-              <a:t>2018/2/8</a:t>
+              <a:t>2018/3/9</a:t>
             </a:fld>
             <a:endParaRPr lang="zh-CN" altLang="en-US" sz="1200"/>
           </a:p>
@@ -2791,7 +2791,7 @@
           <a:p>
             <a:fld id="{BBA8A371-3FA7-4BF4-A866-A09E3D885029}" type="datetime1">
               <a:rPr lang="zh-CN" altLang="en-US" smtClean="0"/>
-              <a:t>2018/2/8</a:t>
+              <a:t>2018/3/9</a:t>
             </a:fld>
             <a:endParaRPr lang="zh-CN" altLang="en-US" sz="1200"/>
           </a:p>
@@ -2907,7 +2907,7 @@
           <a:p>
             <a:fld id="{25BB3D98-82C9-4471-8C57-2B80C06EFB33}" type="datetime1">
               <a:rPr lang="zh-CN" altLang="en-US" smtClean="0"/>
-              <a:t>2018/2/8</a:t>
+              <a:t>2018/3/9</a:t>
             </a:fld>
             <a:endParaRPr lang="zh-CN" altLang="en-US" sz="1200"/>
           </a:p>
@@ -3023,7 +3023,7 @@
           <a:p>
             <a:fld id="{25BB3D98-82C9-4471-8C57-2B80C06EFB33}" type="datetime1">
               <a:rPr lang="zh-CN" altLang="en-US" smtClean="0"/>
-              <a:t>2018/2/8</a:t>
+              <a:t>2018/3/9</a:t>
             </a:fld>
             <a:endParaRPr lang="zh-CN" altLang="en-US" sz="1200"/>
           </a:p>
@@ -3139,7 +3139,7 @@
           <a:p>
             <a:fld id="{25BB3D98-82C9-4471-8C57-2B80C06EFB33}" type="datetime1">
               <a:rPr lang="zh-CN" altLang="en-US" smtClean="0"/>
-              <a:t>2018/2/8</a:t>
+              <a:t>2018/3/9</a:t>
             </a:fld>
             <a:endParaRPr lang="zh-CN" altLang="en-US" sz="1200"/>
           </a:p>
@@ -3255,7 +3255,7 @@
           <a:p>
             <a:fld id="{25BB3D98-82C9-4471-8C57-2B80C06EFB33}" type="datetime1">
               <a:rPr lang="zh-CN" altLang="en-US" smtClean="0"/>
-              <a:t>2018/2/8</a:t>
+              <a:t>2018/3/9</a:t>
             </a:fld>
             <a:endParaRPr lang="zh-CN" altLang="en-US" sz="1200"/>
           </a:p>
@@ -3371,7 +3371,7 @@
           <a:p>
             <a:fld id="{25BB3D98-82C9-4471-8C57-2B80C06EFB33}" type="datetime1">
               <a:rPr lang="zh-CN" altLang="en-US" smtClean="0"/>
-              <a:t>2018/2/8</a:t>
+              <a:t>2018/3/9</a:t>
             </a:fld>
             <a:endParaRPr lang="zh-CN" altLang="en-US" sz="1200"/>
           </a:p>
@@ -3487,7 +3487,7 @@
           <a:p>
             <a:fld id="{BBA8A371-3FA7-4BF4-A866-A09E3D885029}" type="datetime1">
               <a:rPr lang="zh-CN" altLang="en-US" smtClean="0"/>
-              <a:t>2018/2/8</a:t>
+              <a:t>2018/3/9</a:t>
             </a:fld>
             <a:endParaRPr lang="zh-CN" altLang="en-US" sz="1200"/>
           </a:p>
@@ -3603,7 +3603,7 @@
           <a:p>
             <a:fld id="{BBA8A371-3FA7-4BF4-A866-A09E3D885029}" type="datetime1">
               <a:rPr lang="zh-CN" altLang="en-US" smtClean="0"/>
-              <a:t>2018/2/8</a:t>
+              <a:t>2018/3/9</a:t>
             </a:fld>
             <a:endParaRPr lang="zh-CN" altLang="en-US" sz="1200"/>
           </a:p>
@@ -22007,7 +22007,7 @@
               <a:buNone/>
             </a:pPr>
             <a:r>
-              <a:rPr lang="en-US" altLang="zh-CN" sz="2000" b="1">
+              <a:rPr lang="en-US" altLang="zh-CN" sz="2000" b="1" dirty="0">
                 <a:solidFill>
                   <a:schemeClr val="tx1">
                     <a:lumMod val="75000"/>
@@ -22018,10 +22018,66 @@
                 <a:ea typeface="微软雅黑" panose="020B0503020204020204" pitchFamily="34" charset="-122"/>
                 <a:sym typeface="微软雅黑" panose="020B0503020204020204" pitchFamily="34" charset="-122"/>
               </a:rPr>
-              <a:t>public final void setBaiduHeatMapEnabled(boolean enabled</a:t>
-            </a:r>
-            <a:r>
-              <a:rPr lang="en-US" altLang="zh-CN" sz="2000" b="1" smtClean="0">
+              <a:t>public final void </a:t>
+            </a:r>
+            <a:r>
+              <a:rPr lang="en-US" altLang="zh-CN" sz="2000" b="1" dirty="0" err="1">
+                <a:solidFill>
+                  <a:schemeClr val="tx1">
+                    <a:lumMod val="75000"/>
+                    <a:lumOff val="25000"/>
+                  </a:schemeClr>
+                </a:solidFill>
+                <a:latin typeface="Consolas" panose="020B0609020204030204" pitchFamily="49" charset="0"/>
+                <a:ea typeface="微软雅黑" panose="020B0503020204020204" pitchFamily="34" charset="-122"/>
+                <a:sym typeface="微软雅黑" panose="020B0503020204020204" pitchFamily="34" charset="-122"/>
+              </a:rPr>
+              <a:t>setBaiduHeatMapEnabled</a:t>
+            </a:r>
+            <a:r>
+              <a:rPr lang="en-US" altLang="zh-CN" sz="2000" b="1" dirty="0">
+                <a:solidFill>
+                  <a:schemeClr val="tx1">
+                    <a:lumMod val="75000"/>
+                    <a:lumOff val="25000"/>
+                  </a:schemeClr>
+                </a:solidFill>
+                <a:latin typeface="Consolas" panose="020B0609020204030204" pitchFamily="49" charset="0"/>
+                <a:ea typeface="微软雅黑" panose="020B0503020204020204" pitchFamily="34" charset="-122"/>
+                <a:sym typeface="微软雅黑" panose="020B0503020204020204" pitchFamily="34" charset="-122"/>
+              </a:rPr>
+              <a:t>(</a:t>
+            </a:r>
+            <a:r>
+              <a:rPr lang="en-US" altLang="zh-CN" sz="2000" b="1" dirty="0" err="1">
+                <a:solidFill>
+                  <a:schemeClr val="tx1">
+                    <a:lumMod val="75000"/>
+                    <a:lumOff val="25000"/>
+                  </a:schemeClr>
+                </a:solidFill>
+                <a:latin typeface="Consolas" panose="020B0609020204030204" pitchFamily="49" charset="0"/>
+                <a:ea typeface="微软雅黑" panose="020B0503020204020204" pitchFamily="34" charset="-122"/>
+                <a:sym typeface="微软雅黑" panose="020B0503020204020204" pitchFamily="34" charset="-122"/>
+              </a:rPr>
+              <a:t>boolean</a:t>
+            </a:r>
+            <a:r>
+              <a:rPr lang="en-US" altLang="zh-CN" sz="2000" b="1" dirty="0">
+                <a:solidFill>
+                  <a:schemeClr val="tx1">
+                    <a:lumMod val="75000"/>
+                    <a:lumOff val="25000"/>
+                  </a:schemeClr>
+                </a:solidFill>
+                <a:latin typeface="Consolas" panose="020B0609020204030204" pitchFamily="49" charset="0"/>
+                <a:ea typeface="微软雅黑" panose="020B0503020204020204" pitchFamily="34" charset="-122"/>
+                <a:sym typeface="微软雅黑" panose="020B0503020204020204" pitchFamily="34" charset="-122"/>
+              </a:rPr>
+              <a:t> enabled</a:t>
+            </a:r>
+            <a:r>
+              <a:rPr lang="en-US" altLang="zh-CN" sz="2000" b="1" dirty="0" smtClean="0">
                 <a:solidFill>
                   <a:schemeClr val="tx1">
                     <a:lumMod val="75000"/>
@@ -22051,7 +22107,7 @@
               <a:buNone/>
             </a:pPr>
             <a:r>
-              <a:rPr lang="zh-CN" altLang="en-US" sz="2000" smtClean="0">
+              <a:rPr lang="zh-CN" altLang="en-US" sz="2000" dirty="0" smtClean="0">
                 <a:solidFill>
                   <a:schemeClr val="tx1">
                     <a:lumMod val="75000"/>
@@ -22065,7 +22121,7 @@
               <a:t>        设置</a:t>
             </a:r>
             <a:r>
-              <a:rPr lang="zh-CN" altLang="en-US" sz="2000">
+              <a:rPr lang="zh-CN" altLang="en-US" sz="2000" dirty="0">
                 <a:solidFill>
                   <a:schemeClr val="tx1">
                     <a:lumMod val="75000"/>
@@ -22079,7 +22135,7 @@
               <a:t>是否打开百度热力图图层</a:t>
             </a:r>
             <a:r>
-              <a:rPr lang="en-US" altLang="zh-CN" sz="2000">
+              <a:rPr lang="en-US" altLang="zh-CN" sz="2000" dirty="0">
                 <a:solidFill>
                   <a:schemeClr val="tx1">
                     <a:lumMod val="75000"/>
@@ -22093,7 +22149,7 @@
               <a:t>(</a:t>
             </a:r>
             <a:r>
-              <a:rPr lang="zh-CN" altLang="en-US" sz="2000">
+              <a:rPr lang="zh-CN" altLang="en-US" sz="2000" dirty="0">
                 <a:solidFill>
                   <a:schemeClr val="tx1">
                     <a:lumMod val="75000"/>
@@ -22107,7 +22163,7 @@
               <a:t>百度自有数据图层</a:t>
             </a:r>
             <a:r>
-              <a:rPr lang="en-US" altLang="zh-CN" sz="2000">
+              <a:rPr lang="en-US" altLang="zh-CN" sz="2000" dirty="0">
                 <a:solidFill>
                   <a:schemeClr val="tx1">
                     <a:lumMod val="75000"/>
@@ -22121,7 +22177,7 @@
               <a:t>) </a:t>
             </a:r>
             <a:r>
-              <a:rPr lang="zh-CN" altLang="en-US" sz="2000">
+              <a:rPr lang="zh-CN" altLang="en-US" sz="2000" dirty="0">
                 <a:solidFill>
                   <a:schemeClr val="tx1">
                     <a:lumMod val="75000"/>
@@ -22132,10 +22188,10 @@
                 <a:ea typeface="微软雅黑" panose="020B0503020204020204" pitchFamily="34" charset="-122"/>
                 <a:sym typeface="微软雅黑" panose="020B0503020204020204" pitchFamily="34" charset="-122"/>
               </a:rPr>
-              <a:t>注：地图层级大于</a:t>
-            </a:r>
-            <a:r>
-              <a:rPr lang="en-US" altLang="zh-CN" sz="2000">
+              <a:t>注：地图</a:t>
+            </a:r>
+            <a:r>
+              <a:rPr lang="zh-CN" altLang="en-US" sz="2000" dirty="0" smtClean="0">
                 <a:solidFill>
                   <a:schemeClr val="tx1">
                     <a:lumMod val="75000"/>
@@ -22146,10 +22202,10 @@
                 <a:ea typeface="微软雅黑" panose="020B0503020204020204" pitchFamily="34" charset="-122"/>
                 <a:sym typeface="微软雅黑" panose="020B0503020204020204" pitchFamily="34" charset="-122"/>
               </a:rPr>
-              <a:t>11</a:t>
-            </a:r>
-            <a:r>
-              <a:rPr lang="zh-CN" altLang="en-US" sz="2000">
+              <a:t>层级</a:t>
+            </a:r>
+            <a:r>
+              <a:rPr lang="zh-CN" altLang="en-US" sz="2000" dirty="0">
                 <a:solidFill>
                   <a:schemeClr val="tx1">
                     <a:lumMod val="75000"/>
@@ -22160,10 +22216,10 @@
                 <a:ea typeface="微软雅黑" panose="020B0503020204020204" pitchFamily="34" charset="-122"/>
                 <a:sym typeface="微软雅黑" panose="020B0503020204020204" pitchFamily="34" charset="-122"/>
               </a:rPr>
-              <a:t>时，可显示</a:t>
-            </a:r>
-            <a:r>
-              <a:rPr lang="zh-CN" altLang="en-US" sz="2000" smtClean="0">
+              <a:t>介于</a:t>
+            </a:r>
+            <a:r>
+              <a:rPr lang="en-US" altLang="zh-CN" sz="2000" dirty="0" smtClean="0">
                 <a:solidFill>
                   <a:schemeClr val="tx1">
                     <a:lumMod val="75000"/>
@@ -22174,9 +22230,51 @@
                 <a:ea typeface="微软雅黑" panose="020B0503020204020204" pitchFamily="34" charset="-122"/>
                 <a:sym typeface="微软雅黑" panose="020B0503020204020204" pitchFamily="34" charset="-122"/>
               </a:rPr>
+              <a:t>11-20</a:t>
+            </a:r>
+            <a:r>
+              <a:rPr lang="zh-CN" altLang="en-US" sz="2000" smtClean="0">
+                <a:solidFill>
+                  <a:schemeClr val="tx1">
+                    <a:lumMod val="75000"/>
+                    <a:lumOff val="25000"/>
+                  </a:schemeClr>
+                </a:solidFill>
+                <a:latin typeface="微软雅黑" panose="020B0503020204020204" pitchFamily="34" charset="-122"/>
+                <a:ea typeface="微软雅黑" panose="020B0503020204020204" pitchFamily="34" charset="-122"/>
+                <a:sym typeface="微软雅黑" panose="020B0503020204020204" pitchFamily="34" charset="-122"/>
+              </a:rPr>
+              <a:t>之间时</a:t>
+            </a:r>
+            <a:r>
+              <a:rPr lang="zh-CN" altLang="en-US" sz="2000" dirty="0">
+                <a:solidFill>
+                  <a:schemeClr val="tx1">
+                    <a:lumMod val="75000"/>
+                    <a:lumOff val="25000"/>
+                  </a:schemeClr>
+                </a:solidFill>
+                <a:latin typeface="微软雅黑" panose="020B0503020204020204" pitchFamily="34" charset="-122"/>
+                <a:ea typeface="微软雅黑" panose="020B0503020204020204" pitchFamily="34" charset="-122"/>
+                <a:sym typeface="微软雅黑" panose="020B0503020204020204" pitchFamily="34" charset="-122"/>
+              </a:rPr>
+              <a:t>，可显示</a:t>
+            </a:r>
+            <a:r>
+              <a:rPr lang="zh-CN" altLang="en-US" sz="2000" dirty="0" smtClean="0">
+                <a:solidFill>
+                  <a:schemeClr val="tx1">
+                    <a:lumMod val="75000"/>
+                    <a:lumOff val="25000"/>
+                  </a:schemeClr>
+                </a:solidFill>
+                <a:latin typeface="微软雅黑" panose="020B0503020204020204" pitchFamily="34" charset="-122"/>
+                <a:ea typeface="微软雅黑" panose="020B0503020204020204" pitchFamily="34" charset="-122"/>
+                <a:sym typeface="微软雅黑" panose="020B0503020204020204" pitchFamily="34" charset="-122"/>
+              </a:rPr>
               <a:t>热力层</a:t>
             </a:r>
-            <a:endParaRPr lang="zh-CN" altLang="en-US" sz="2000">
+            <a:endParaRPr lang="zh-CN" altLang="en-US" sz="2000" dirty="0">
               <a:solidFill>
                 <a:schemeClr val="tx1">
                   <a:lumMod val="75000"/>
@@ -22204,7 +22302,7 @@
               <a:buNone/>
             </a:pPr>
             <a:r>
-              <a:rPr lang="en-US" altLang="zh-CN" sz="2000">
+              <a:rPr lang="en-US" altLang="zh-CN" sz="2000" dirty="0">
                 <a:solidFill>
                   <a:schemeClr val="tx1">
                     <a:lumMod val="75000"/>
@@ -22218,7 +22316,7 @@
               <a:t>        enabled - </a:t>
             </a:r>
             <a:r>
-              <a:rPr lang="zh-CN" altLang="en-US" sz="2000">
+              <a:rPr lang="zh-CN" altLang="en-US" sz="2000" dirty="0">
                 <a:solidFill>
                   <a:schemeClr val="tx1">
                     <a:lumMod val="75000"/>
@@ -22232,7 +22330,7 @@
               <a:t>是否打开百度热力图图层</a:t>
             </a:r>
             <a:r>
-              <a:rPr lang="en-US" altLang="zh-CN" sz="2000">
+              <a:rPr lang="en-US" altLang="zh-CN" sz="2000" dirty="0">
                 <a:solidFill>
                   <a:schemeClr val="tx1">
                     <a:lumMod val="75000"/>
@@ -22246,7 +22344,7 @@
               <a:t>(</a:t>
             </a:r>
             <a:r>
-              <a:rPr lang="zh-CN" altLang="en-US" sz="2000">
+              <a:rPr lang="zh-CN" altLang="en-US" sz="2000" dirty="0">
                 <a:solidFill>
                   <a:schemeClr val="tx1">
                     <a:lumMod val="75000"/>
@@ -22260,7 +22358,7 @@
               <a:t>百度自有数据图层</a:t>
             </a:r>
             <a:r>
-              <a:rPr lang="en-US" altLang="zh-CN" sz="2000">
+              <a:rPr lang="en-US" altLang="zh-CN" sz="2000" dirty="0">
                 <a:solidFill>
                   <a:schemeClr val="tx1">
                     <a:lumMod val="75000"/>
@@ -22273,7 +22371,7 @@
               </a:rPr>
               <a:t>)</a:t>
             </a:r>
-            <a:endParaRPr lang="en-US" altLang="zh-CN" sz="2000" b="1">
+            <a:endParaRPr lang="en-US" altLang="zh-CN" sz="2000" b="1" dirty="0">
               <a:solidFill>
                 <a:schemeClr val="tx1">
                   <a:lumMod val="75000"/>
@@ -37058,14 +37156,14 @@
                 <a:gridCol w="998806">
                   <a:extLst>
                     <a:ext uri="{9D8B030D-6E8A-4147-A177-3AD203B41FA5}">
-                      <a16:colId xmlns="" xmlns:a16="http://schemas.microsoft.com/office/drawing/2014/main" val="3817584841"/>
+                      <a16:colId xmlns:a16="http://schemas.microsoft.com/office/drawing/2014/main" xmlns="" val="3817584841"/>
                     </a:ext>
                   </a:extLst>
                 </a:gridCol>
                 <a:gridCol w="7694438">
                   <a:extLst>
                     <a:ext uri="{9D8B030D-6E8A-4147-A177-3AD203B41FA5}">
-                      <a16:colId xmlns="" xmlns:a16="http://schemas.microsoft.com/office/drawing/2014/main" val="2540339904"/>
+                      <a16:colId xmlns:a16="http://schemas.microsoft.com/office/drawing/2014/main" xmlns="" val="2540339904"/>
                     </a:ext>
                   </a:extLst>
                 </a:gridCol>
@@ -37273,7 +37371,7 @@
                 </a:tc>
                 <a:extLst>
                   <a:ext uri="{0D108BD9-81ED-4DB2-BD59-A6C34878D82A}">
-                    <a16:rowId xmlns="" xmlns:a16="http://schemas.microsoft.com/office/drawing/2014/main" val="1350679219"/>
+                    <a16:rowId xmlns:a16="http://schemas.microsoft.com/office/drawing/2014/main" xmlns="" val="1350679219"/>
                   </a:ext>
                 </a:extLst>
               </a:tr>
@@ -37480,7 +37578,7 @@
                 </a:tc>
                 <a:extLst>
                   <a:ext uri="{0D108BD9-81ED-4DB2-BD59-A6C34878D82A}">
-                    <a16:rowId xmlns="" xmlns:a16="http://schemas.microsoft.com/office/drawing/2014/main" val="579480305"/>
+                    <a16:rowId xmlns:a16="http://schemas.microsoft.com/office/drawing/2014/main" xmlns="" val="579480305"/>
                   </a:ext>
                 </a:extLst>
               </a:tr>
@@ -37687,7 +37785,7 @@
                 </a:tc>
                 <a:extLst>
                   <a:ext uri="{0D108BD9-81ED-4DB2-BD59-A6C34878D82A}">
-                    <a16:rowId xmlns="" xmlns:a16="http://schemas.microsoft.com/office/drawing/2014/main" val="2782330467"/>
+                    <a16:rowId xmlns:a16="http://schemas.microsoft.com/office/drawing/2014/main" xmlns="" val="2782330467"/>
                   </a:ext>
                 </a:extLst>
               </a:tr>
@@ -37894,7 +37992,7 @@
                 </a:tc>
                 <a:extLst>
                   <a:ext uri="{0D108BD9-81ED-4DB2-BD59-A6C34878D82A}">
-                    <a16:rowId xmlns="" xmlns:a16="http://schemas.microsoft.com/office/drawing/2014/main" val="300024503"/>
+                    <a16:rowId xmlns:a16="http://schemas.microsoft.com/office/drawing/2014/main" xmlns="" val="300024503"/>
                   </a:ext>
                 </a:extLst>
               </a:tr>
@@ -38115,7 +38213,7 @@
                 </a:tc>
                 <a:extLst>
                   <a:ext uri="{0D108BD9-81ED-4DB2-BD59-A6C34878D82A}">
-                    <a16:rowId xmlns="" xmlns:a16="http://schemas.microsoft.com/office/drawing/2014/main" val="1249072609"/>
+                    <a16:rowId xmlns:a16="http://schemas.microsoft.com/office/drawing/2014/main" xmlns="" val="1249072609"/>
                   </a:ext>
                 </a:extLst>
               </a:tr>
@@ -38336,7 +38434,7 @@
                 </a:tc>
                 <a:extLst>
                   <a:ext uri="{0D108BD9-81ED-4DB2-BD59-A6C34878D82A}">
-                    <a16:rowId xmlns="" xmlns:a16="http://schemas.microsoft.com/office/drawing/2014/main" val="3717272528"/>
+                    <a16:rowId xmlns:a16="http://schemas.microsoft.com/office/drawing/2014/main" xmlns="" val="3717272528"/>
                   </a:ext>
                 </a:extLst>
               </a:tr>
@@ -38557,7 +38655,7 @@
                 </a:tc>
                 <a:extLst>
                   <a:ext uri="{0D108BD9-81ED-4DB2-BD59-A6C34878D82A}">
-                    <a16:rowId xmlns="" xmlns:a16="http://schemas.microsoft.com/office/drawing/2014/main" val="523514542"/>
+                    <a16:rowId xmlns:a16="http://schemas.microsoft.com/office/drawing/2014/main" xmlns="" val="523514542"/>
                   </a:ext>
                 </a:extLst>
               </a:tr>
@@ -38778,7 +38876,7 @@
                 </a:tc>
                 <a:extLst>
                   <a:ext uri="{0D108BD9-81ED-4DB2-BD59-A6C34878D82A}">
-                    <a16:rowId xmlns="" xmlns:a16="http://schemas.microsoft.com/office/drawing/2014/main" val="1126312671"/>
+                    <a16:rowId xmlns:a16="http://schemas.microsoft.com/office/drawing/2014/main" xmlns="" val="1126312671"/>
                   </a:ext>
                 </a:extLst>
               </a:tr>
@@ -38999,7 +39097,7 @@
                 </a:tc>
                 <a:extLst>
                   <a:ext uri="{0D108BD9-81ED-4DB2-BD59-A6C34878D82A}">
-                    <a16:rowId xmlns="" xmlns:a16="http://schemas.microsoft.com/office/drawing/2014/main" val="829693380"/>
+                    <a16:rowId xmlns:a16="http://schemas.microsoft.com/office/drawing/2014/main" xmlns="" val="829693380"/>
                   </a:ext>
                 </a:extLst>
               </a:tr>
